--- a/Demoblaze_Selenium_Wipro.pptx
+++ b/Demoblaze_Selenium_Wipro.pptx
@@ -10,16 +10,17 @@
     <p:sldId id="258" r:id="rId4"/>
     <p:sldId id="259" r:id="rId5"/>
     <p:sldId id="260" r:id="rId6"/>
-    <p:sldId id="261" r:id="rId7"/>
-    <p:sldId id="262" r:id="rId8"/>
-    <p:sldId id="269" r:id="rId9"/>
-    <p:sldId id="270" r:id="rId10"/>
-    <p:sldId id="263" r:id="rId11"/>
-    <p:sldId id="264" r:id="rId12"/>
-    <p:sldId id="267" r:id="rId13"/>
-    <p:sldId id="265" r:id="rId14"/>
-    <p:sldId id="266" r:id="rId15"/>
-    <p:sldId id="268" r:id="rId16"/>
+    <p:sldId id="262" r:id="rId7"/>
+    <p:sldId id="261" r:id="rId8"/>
+    <p:sldId id="271" r:id="rId9"/>
+    <p:sldId id="269" r:id="rId10"/>
+    <p:sldId id="270" r:id="rId11"/>
+    <p:sldId id="263" r:id="rId12"/>
+    <p:sldId id="264" r:id="rId13"/>
+    <p:sldId id="267" r:id="rId14"/>
+    <p:sldId id="265" r:id="rId15"/>
+    <p:sldId id="266" r:id="rId16"/>
+    <p:sldId id="268" r:id="rId17"/>
   </p:sldIdLst>
   <p:sldSz cx="9144000" cy="6858000" type="screen4x3"/>
   <p:notesSz cx="6858000" cy="9144000"/>
@@ -337,7 +338,7 @@
           <a:p>
             <a:fld id="{5BCAD085-E8A6-8845-BD4E-CB4CCA059FC4}" type="datetimeFigureOut">
               <a:rPr lang="en-US" smtClean="0"/>
-              <a:t>9/7/2025</a:t>
+              <a:t>9/8/2025</a:t>
             </a:fld>
             <a:endParaRPr lang="en-US"/>
           </a:p>
@@ -669,7 +670,7 @@
           <a:p>
             <a:fld id="{5BCAD085-E8A6-8845-BD4E-CB4CCA059FC4}" type="datetimeFigureOut">
               <a:rPr lang="en-US" smtClean="0"/>
-              <a:t>9/7/2025</a:t>
+              <a:t>9/8/2025</a:t>
             </a:fld>
             <a:endParaRPr lang="en-US"/>
           </a:p>
@@ -1068,7 +1069,7 @@
           <a:p>
             <a:fld id="{5BCAD085-E8A6-8845-BD4E-CB4CCA059FC4}" type="datetimeFigureOut">
               <a:rPr lang="en-US" smtClean="0"/>
-              <a:t>9/7/2025</a:t>
+              <a:t>9/8/2025</a:t>
             </a:fld>
             <a:endParaRPr lang="en-US"/>
           </a:p>
@@ -1402,7 +1403,7 @@
           <a:p>
             <a:fld id="{5BCAD085-E8A6-8845-BD4E-CB4CCA059FC4}" type="datetimeFigureOut">
               <a:rPr lang="en-US" smtClean="0"/>
-              <a:t>9/7/2025</a:t>
+              <a:t>9/8/2025</a:t>
             </a:fld>
             <a:endParaRPr lang="en-US"/>
           </a:p>
@@ -1720,7 +1721,7 @@
           <a:p>
             <a:fld id="{5BCAD085-E8A6-8845-BD4E-CB4CCA059FC4}" type="datetimeFigureOut">
               <a:rPr lang="en-US" smtClean="0"/>
-              <a:t>9/7/2025</a:t>
+              <a:t>9/8/2025</a:t>
             </a:fld>
             <a:endParaRPr lang="en-US"/>
           </a:p>
@@ -2114,7 +2115,7 @@
           <a:p>
             <a:fld id="{5BCAD085-E8A6-8845-BD4E-CB4CCA059FC4}" type="datetimeFigureOut">
               <a:rPr lang="en-US" smtClean="0"/>
-              <a:t>9/7/2025</a:t>
+              <a:t>9/8/2025</a:t>
             </a:fld>
             <a:endParaRPr lang="en-US"/>
           </a:p>
@@ -2369,7 +2370,7 @@
           <a:p>
             <a:fld id="{5BCAD085-E8A6-8845-BD4E-CB4CCA059FC4}" type="datetimeFigureOut">
               <a:rPr lang="en-US" smtClean="0"/>
-              <a:t>9/7/2025</a:t>
+              <a:t>9/8/2025</a:t>
             </a:fld>
             <a:endParaRPr lang="en-US"/>
           </a:p>
@@ -2629,7 +2630,7 @@
           <a:p>
             <a:fld id="{5BCAD085-E8A6-8845-BD4E-CB4CCA059FC4}" type="datetimeFigureOut">
               <a:rPr lang="en-US" smtClean="0"/>
-              <a:t>9/7/2025</a:t>
+              <a:t>9/8/2025</a:t>
             </a:fld>
             <a:endParaRPr lang="en-US"/>
           </a:p>
@@ -2889,7 +2890,7 @@
           <a:p>
             <a:fld id="{5BCAD085-E8A6-8845-BD4E-CB4CCA059FC4}" type="datetimeFigureOut">
               <a:rPr lang="en-US" smtClean="0"/>
-              <a:t>9/7/2025</a:t>
+              <a:t>9/8/2025</a:t>
             </a:fld>
             <a:endParaRPr lang="en-US"/>
           </a:p>
@@ -3216,7 +3217,7 @@
           <a:p>
             <a:fld id="{5BCAD085-E8A6-8845-BD4E-CB4CCA059FC4}" type="datetimeFigureOut">
               <a:rPr lang="en-US" smtClean="0"/>
-              <a:t>9/7/2025</a:t>
+              <a:t>9/8/2025</a:t>
             </a:fld>
             <a:endParaRPr lang="en-US"/>
           </a:p>
@@ -3537,7 +3538,7 @@
           <a:p>
             <a:fld id="{5BCAD085-E8A6-8845-BD4E-CB4CCA059FC4}" type="datetimeFigureOut">
               <a:rPr lang="en-US" smtClean="0"/>
-              <a:t>9/7/2025</a:t>
+              <a:t>9/8/2025</a:t>
             </a:fld>
             <a:endParaRPr lang="en-US"/>
           </a:p>
@@ -3992,7 +3993,7 @@
           <a:p>
             <a:fld id="{5BCAD085-E8A6-8845-BD4E-CB4CCA059FC4}" type="datetimeFigureOut">
               <a:rPr lang="en-US" smtClean="0"/>
-              <a:t>9/7/2025</a:t>
+              <a:t>9/8/2025</a:t>
             </a:fld>
             <a:endParaRPr lang="en-US"/>
           </a:p>
@@ -4200,7 +4201,7 @@
           <a:p>
             <a:fld id="{5BCAD085-E8A6-8845-BD4E-CB4CCA059FC4}" type="datetimeFigureOut">
               <a:rPr lang="en-US" smtClean="0"/>
-              <a:t>9/7/2025</a:t>
+              <a:t>9/8/2025</a:t>
             </a:fld>
             <a:endParaRPr lang="en-US"/>
           </a:p>
@@ -4375,7 +4376,7 @@
           <a:p>
             <a:fld id="{5BCAD085-E8A6-8845-BD4E-CB4CCA059FC4}" type="datetimeFigureOut">
               <a:rPr lang="en-US" smtClean="0"/>
-              <a:t>9/7/2025</a:t>
+              <a:t>9/8/2025</a:t>
             </a:fld>
             <a:endParaRPr lang="en-US"/>
           </a:p>
@@ -4706,7 +4707,7 @@
           <a:p>
             <a:fld id="{5BCAD085-E8A6-8845-BD4E-CB4CCA059FC4}" type="datetimeFigureOut">
               <a:rPr lang="en-US" smtClean="0"/>
-              <a:t>9/7/2025</a:t>
+              <a:t>9/8/2025</a:t>
             </a:fld>
             <a:endParaRPr lang="en-US"/>
           </a:p>
@@ -5049,7 +5050,7 @@
           <a:p>
             <a:fld id="{5BCAD085-E8A6-8845-BD4E-CB4CCA059FC4}" type="datetimeFigureOut">
               <a:rPr lang="en-US" smtClean="0"/>
-              <a:t>9/7/2025</a:t>
+              <a:t>9/8/2025</a:t>
             </a:fld>
             <a:endParaRPr lang="en-US"/>
           </a:p>
@@ -7164,7 +7165,7 @@
           <a:p>
             <a:fld id="{5BCAD085-E8A6-8845-BD4E-CB4CCA059FC4}" type="datetimeFigureOut">
               <a:rPr lang="en-US" smtClean="0"/>
-              <a:t>9/7/2025</a:t>
+              <a:t>9/8/2025</a:t>
             </a:fld>
             <a:endParaRPr lang="en-US"/>
           </a:p>
@@ -7797,6 +7798,94 @@
       </p:grpSpPr>
       <p:sp>
         <p:nvSpPr>
+          <p:cNvPr id="2" name="Title 1">
+            <a:extLst>
+              <a:ext uri="{FF2B5EF4-FFF2-40B4-BE49-F238E27FC236}">
+                <a16:creationId xmlns:a16="http://schemas.microsoft.com/office/drawing/2014/main" id="{2CC7C735-7627-403F-A8E0-0AEE252D6E6C}"/>
+              </a:ext>
+            </a:extLst>
+          </p:cNvPr>
+          <p:cNvSpPr>
+            <a:spLocks noGrp="1"/>
+          </p:cNvSpPr>
+          <p:nvPr>
+            <p:ph type="title"/>
+          </p:nvPr>
+        </p:nvSpPr>
+        <p:spPr/>
+        <p:txBody>
+          <a:bodyPr/>
+          <a:lstStyle/>
+          <a:p>
+            <a:r>
+              <a:rPr lang="en-GB" dirty="0"/>
+              <a:t>Jenkins snapshot</a:t>
+            </a:r>
+            <a:endParaRPr lang="en-US" dirty="0"/>
+          </a:p>
+        </p:txBody>
+      </p:sp>
+      <p:pic>
+        <p:nvPicPr>
+          <p:cNvPr id="5" name="Content Placeholder 4">
+            <a:extLst>
+              <a:ext uri="{FF2B5EF4-FFF2-40B4-BE49-F238E27FC236}">
+                <a16:creationId xmlns:a16="http://schemas.microsoft.com/office/drawing/2014/main" id="{EDABFCC5-9339-4004-8A25-59EED4F8FF98}"/>
+              </a:ext>
+            </a:extLst>
+          </p:cNvPr>
+          <p:cNvPicPr>
+            <a:picLocks noGrp="1" noChangeAspect="1"/>
+          </p:cNvPicPr>
+          <p:nvPr>
+            <p:ph idx="1"/>
+          </p:nvPr>
+        </p:nvPicPr>
+        <p:blipFill>
+          <a:blip r:embed="rId2"/>
+          <a:stretch>
+            <a:fillRect/>
+          </a:stretch>
+        </p:blipFill>
+        <p:spPr>
+          <a:xfrm>
+            <a:off x="2028825" y="2398990"/>
+            <a:ext cx="6762827" cy="3077885"/>
+          </a:xfrm>
+        </p:spPr>
+      </p:pic>
+    </p:spTree>
+    <p:extLst>
+      <p:ext uri="{BB962C8B-B14F-4D97-AF65-F5344CB8AC3E}">
+        <p14:creationId xmlns:p14="http://schemas.microsoft.com/office/powerpoint/2010/main" val="3899232632"/>
+      </p:ext>
+    </p:extLst>
+  </p:cSld>
+  <p:clrMapOvr>
+    <a:masterClrMapping/>
+  </p:clrMapOvr>
+</p:sld>
+</file>
+
+<file path=ppt/slides/slide11.xml><?xml version="1.0" encoding="utf-8"?>
+<p:sld xmlns:a="http://schemas.openxmlformats.org/drawingml/2006/main" xmlns:r="http://schemas.openxmlformats.org/officeDocument/2006/relationships" xmlns:p="http://schemas.openxmlformats.org/presentationml/2006/main">
+  <p:cSld>
+    <p:spTree>
+      <p:nvGrpSpPr>
+        <p:cNvPr id="1" name=""/>
+        <p:cNvGrpSpPr/>
+        <p:nvPr/>
+      </p:nvGrpSpPr>
+      <p:grpSpPr>
+        <a:xfrm>
+          <a:off x="0" y="0"/>
+          <a:ext cx="0" cy="0"/>
+          <a:chOff x="0" y="0"/>
+          <a:chExt cx="0" cy="0"/>
+        </a:xfrm>
+      </p:grpSpPr>
+      <p:sp>
+        <p:nvSpPr>
           <p:cNvPr id="2" name="Title 1"/>
           <p:cNvSpPr>
             <a:spLocks noGrp="1"/>
@@ -8027,7 +8116,7 @@
 </p:sld>
 </file>
 
-<file path=ppt/slides/slide11.xml><?xml version="1.0" encoding="utf-8"?>
+<file path=ppt/slides/slide12.xml><?xml version="1.0" encoding="utf-8"?>
 <p:sld xmlns:a="http://schemas.openxmlformats.org/drawingml/2006/main" xmlns:r="http://schemas.openxmlformats.org/officeDocument/2006/relationships" xmlns:p="http://schemas.openxmlformats.org/presentationml/2006/main">
   <p:cSld>
     <p:spTree>
@@ -8115,7 +8204,7 @@
 </p:sld>
 </file>
 
-<file path=ppt/slides/slide12.xml><?xml version="1.0" encoding="utf-8"?>
+<file path=ppt/slides/slide13.xml><?xml version="1.0" encoding="utf-8"?>
 <p:sld xmlns:a="http://schemas.openxmlformats.org/drawingml/2006/main" xmlns:r="http://schemas.openxmlformats.org/officeDocument/2006/relationships" xmlns:p="http://schemas.openxmlformats.org/presentationml/2006/main">
   <p:cSld>
     <p:spTree>
@@ -8203,7 +8292,7 @@
 </p:sld>
 </file>
 
-<file path=ppt/slides/slide13.xml><?xml version="1.0" encoding="utf-8"?>
+<file path=ppt/slides/slide14.xml><?xml version="1.0" encoding="utf-8"?>
 <p:sld xmlns:a="http://schemas.openxmlformats.org/drawingml/2006/main" xmlns:r="http://schemas.openxmlformats.org/officeDocument/2006/relationships" xmlns:p="http://schemas.openxmlformats.org/presentationml/2006/main">
   <p:cSld>
     <p:spTree>
@@ -8296,7 +8385,7 @@
 </p:sld>
 </file>
 
-<file path=ppt/slides/slide14.xml><?xml version="1.0" encoding="utf-8"?>
+<file path=ppt/slides/slide15.xml><?xml version="1.0" encoding="utf-8"?>
 <p:sld xmlns:a="http://schemas.openxmlformats.org/drawingml/2006/main" xmlns:r="http://schemas.openxmlformats.org/officeDocument/2006/relationships" xmlns:p="http://schemas.openxmlformats.org/presentationml/2006/main">
   <p:cSld>
     <p:spTree>
@@ -8389,7 +8478,7 @@
 </p:sld>
 </file>
 
-<file path=ppt/slides/slide15.xml><?xml version="1.0" encoding="utf-8"?>
+<file path=ppt/slides/slide16.xml><?xml version="1.0" encoding="utf-8"?>
 <p:sld xmlns:a="http://schemas.openxmlformats.org/drawingml/2006/main" xmlns:r="http://schemas.openxmlformats.org/officeDocument/2006/relationships" xmlns:p="http://schemas.openxmlformats.org/presentationml/2006/main">
   <p:cSld>
     <p:spTree>
@@ -8508,7 +8597,7 @@
         <p:spPr/>
         <p:txBody>
           <a:bodyPr>
-            <a:normAutofit lnSpcReduction="10000"/>
+            <a:normAutofit fontScale="92500" lnSpcReduction="10000"/>
           </a:bodyPr>
           <a:lstStyle/>
           <a:p>
@@ -8532,13 +8621,13 @@
           <a:p>
             <a:r>
               <a:rPr lang="en-GB" dirty="0"/>
+              <a:t>Test Architecture Overview</a:t>
+            </a:r>
+          </a:p>
+          <a:p>
+            <a:r>
+              <a:rPr lang="en-GB" dirty="0"/>
               <a:t>Test Case Coverage Summary </a:t>
-            </a:r>
-          </a:p>
-          <a:p>
-            <a:r>
-              <a:rPr lang="en-GB" dirty="0"/>
-              <a:t>Test Architecture Overview</a:t>
             </a:r>
           </a:p>
           <a:p>
@@ -8968,88 +9057,6 @@
 </file>
 
 <file path=ppt/slides/slide6.xml><?xml version="1.0" encoding="utf-8"?>
-<p:sld xmlns:a="http://schemas.openxmlformats.org/drawingml/2006/main" xmlns:r="http://schemas.openxmlformats.org/officeDocument/2006/relationships" xmlns:p="http://schemas.openxmlformats.org/presentationml/2006/main">
-  <p:cSld>
-    <p:spTree>
-      <p:nvGrpSpPr>
-        <p:cNvPr id="1" name=""/>
-        <p:cNvGrpSpPr/>
-        <p:nvPr/>
-      </p:nvGrpSpPr>
-      <p:grpSpPr>
-        <a:xfrm>
-          <a:off x="0" y="0"/>
-          <a:ext cx="0" cy="0"/>
-          <a:chOff x="0" y="0"/>
-          <a:chExt cx="0" cy="0"/>
-        </a:xfrm>
-      </p:grpSpPr>
-      <p:sp>
-        <p:nvSpPr>
-          <p:cNvPr id="2" name="Title 1"/>
-          <p:cNvSpPr>
-            <a:spLocks noGrp="1"/>
-          </p:cNvSpPr>
-          <p:nvPr>
-            <p:ph type="title" idx="4294967295"/>
-          </p:nvPr>
-        </p:nvSpPr>
-        <p:spPr>
-          <a:xfrm>
-            <a:off x="1449388" y="623888"/>
-            <a:ext cx="6942137" cy="1081087"/>
-          </a:xfrm>
-        </p:spPr>
-        <p:txBody>
-          <a:bodyPr/>
-          <a:lstStyle/>
-          <a:p>
-            <a:r>
-              <a:rPr lang="en-GB" dirty="0"/>
-              <a:t>Test Case Coverage Summary </a:t>
-            </a:r>
-          </a:p>
-        </p:txBody>
-      </p:sp>
-      <p:pic>
-        <p:nvPicPr>
-          <p:cNvPr id="7" name="Picture 6">
-            <a:extLst>
-              <a:ext uri="{FF2B5EF4-FFF2-40B4-BE49-F238E27FC236}">
-                <a16:creationId xmlns:a16="http://schemas.microsoft.com/office/drawing/2014/main" id="{88C457E3-9B76-4FEB-A601-54482AFEF034}"/>
-              </a:ext>
-            </a:extLst>
-          </p:cNvPr>
-          <p:cNvPicPr>
-            <a:picLocks noChangeAspect="1"/>
-          </p:cNvPicPr>
-          <p:nvPr/>
-        </p:nvPicPr>
-        <p:blipFill>
-          <a:blip r:embed="rId2"/>
-          <a:stretch>
-            <a:fillRect/>
-          </a:stretch>
-        </p:blipFill>
-        <p:spPr>
-          <a:xfrm>
-            <a:off x="1449388" y="2028825"/>
-            <a:ext cx="7330265" cy="3491871"/>
-          </a:xfrm>
-          <a:prstGeom prst="rect">
-            <a:avLst/>
-          </a:prstGeom>
-        </p:spPr>
-      </p:pic>
-    </p:spTree>
-  </p:cSld>
-  <p:clrMapOvr>
-    <a:masterClrMapping/>
-  </p:clrMapOvr>
-</p:sld>
-</file>
-
-<file path=ppt/slides/slide7.xml><?xml version="1.0" encoding="utf-8"?>
 <p:sld xmlns:a="http://schemas.openxmlformats.org/drawingml/2006/main" xmlns:r="http://schemas.openxmlformats.org/officeDocument/2006/relationships" xmlns:p="http://schemas.openxmlformats.org/presentationml/2006/main">
   <p:cSld>
     <p:spTree>
@@ -9162,6 +9169,88 @@
 </p:sld>
 </file>
 
+<file path=ppt/slides/slide7.xml><?xml version="1.0" encoding="utf-8"?>
+<p:sld xmlns:a="http://schemas.openxmlformats.org/drawingml/2006/main" xmlns:r="http://schemas.openxmlformats.org/officeDocument/2006/relationships" xmlns:p="http://schemas.openxmlformats.org/presentationml/2006/main">
+  <p:cSld>
+    <p:spTree>
+      <p:nvGrpSpPr>
+        <p:cNvPr id="1" name=""/>
+        <p:cNvGrpSpPr/>
+        <p:nvPr/>
+      </p:nvGrpSpPr>
+      <p:grpSpPr>
+        <a:xfrm>
+          <a:off x="0" y="0"/>
+          <a:ext cx="0" cy="0"/>
+          <a:chOff x="0" y="0"/>
+          <a:chExt cx="0" cy="0"/>
+        </a:xfrm>
+      </p:grpSpPr>
+      <p:sp>
+        <p:nvSpPr>
+          <p:cNvPr id="2" name="Title 1"/>
+          <p:cNvSpPr>
+            <a:spLocks noGrp="1"/>
+          </p:cNvSpPr>
+          <p:nvPr>
+            <p:ph type="title" idx="4294967295"/>
+          </p:nvPr>
+        </p:nvSpPr>
+        <p:spPr>
+          <a:xfrm>
+            <a:off x="1449388" y="623888"/>
+            <a:ext cx="6942137" cy="1081087"/>
+          </a:xfrm>
+        </p:spPr>
+        <p:txBody>
+          <a:bodyPr/>
+          <a:lstStyle/>
+          <a:p>
+            <a:r>
+              <a:rPr lang="en-GB" dirty="0"/>
+              <a:t>Test Case Coverage Summary </a:t>
+            </a:r>
+          </a:p>
+        </p:txBody>
+      </p:sp>
+      <p:pic>
+        <p:nvPicPr>
+          <p:cNvPr id="6" name="Picture 5">
+            <a:extLst>
+              <a:ext uri="{FF2B5EF4-FFF2-40B4-BE49-F238E27FC236}">
+                <a16:creationId xmlns:a16="http://schemas.microsoft.com/office/drawing/2014/main" id="{080D7A8E-A4CE-4507-9F30-A67E25E2D87B}"/>
+              </a:ext>
+            </a:extLst>
+          </p:cNvPr>
+          <p:cNvPicPr>
+            <a:picLocks noChangeAspect="1"/>
+          </p:cNvPicPr>
+          <p:nvPr/>
+        </p:nvPicPr>
+        <p:blipFill>
+          <a:blip r:embed="rId2"/>
+          <a:stretch>
+            <a:fillRect/>
+          </a:stretch>
+        </p:blipFill>
+        <p:spPr>
+          <a:xfrm>
+            <a:off x="962025" y="1979601"/>
+            <a:ext cx="8045624" cy="2868623"/>
+          </a:xfrm>
+          <a:prstGeom prst="rect">
+            <a:avLst/>
+          </a:prstGeom>
+        </p:spPr>
+      </p:pic>
+    </p:spTree>
+  </p:cSld>
+  <p:clrMapOvr>
+    <a:masterClrMapping/>
+  </p:clrMapOvr>
+</p:sld>
+</file>
+
 <file path=ppt/slides/slide8.xml><?xml version="1.0" encoding="utf-8"?>
 <p:sld xmlns:a="http://schemas.openxmlformats.org/drawingml/2006/main" xmlns:r="http://schemas.openxmlformats.org/officeDocument/2006/relationships" xmlns:p="http://schemas.openxmlformats.org/presentationml/2006/main">
   <p:cSld>
@@ -9179,50 +9268,19 @@
           <a:chExt cx="0" cy="0"/>
         </a:xfrm>
       </p:grpSpPr>
-      <p:sp>
-        <p:nvSpPr>
-          <p:cNvPr id="2" name="Title 1">
+      <p:pic>
+        <p:nvPicPr>
+          <p:cNvPr id="3" name="Picture 2">
             <a:extLst>
               <a:ext uri="{FF2B5EF4-FFF2-40B4-BE49-F238E27FC236}">
-                <a16:creationId xmlns:a16="http://schemas.microsoft.com/office/drawing/2014/main" id="{ED7D8486-71A3-4609-8917-39EAE75CE917}"/>
-              </a:ext>
-            </a:extLst>
-          </p:cNvPr>
-          <p:cNvSpPr>
-            <a:spLocks noGrp="1"/>
-          </p:cNvSpPr>
-          <p:nvPr>
-            <p:ph type="title"/>
-          </p:nvPr>
-        </p:nvSpPr>
-        <p:spPr/>
-        <p:txBody>
-          <a:bodyPr/>
-          <a:lstStyle/>
-          <a:p>
-            <a:r>
-              <a:rPr lang="en-GB" dirty="0"/>
-              <a:t>Git repository snapshot</a:t>
-            </a:r>
-            <a:endParaRPr lang="en-US" dirty="0"/>
-          </a:p>
-        </p:txBody>
-      </p:sp>
-      <p:pic>
-        <p:nvPicPr>
-          <p:cNvPr id="5" name="Content Placeholder 4">
-            <a:extLst>
-              <a:ext uri="{FF2B5EF4-FFF2-40B4-BE49-F238E27FC236}">
-                <a16:creationId xmlns:a16="http://schemas.microsoft.com/office/drawing/2014/main" id="{00E07968-7053-4A68-BCBC-9E38E2991416}"/>
+                <a16:creationId xmlns:a16="http://schemas.microsoft.com/office/drawing/2014/main" id="{D8CA06D7-0C68-447B-A802-8F8D15EF1DF1}"/>
               </a:ext>
             </a:extLst>
           </p:cNvPr>
           <p:cNvPicPr>
-            <a:picLocks noGrp="1" noChangeAspect="1"/>
+            <a:picLocks noChangeAspect="1"/>
           </p:cNvPicPr>
-          <p:nvPr>
-            <p:ph idx="1"/>
-          </p:nvPr>
+          <p:nvPr/>
         </p:nvPicPr>
         <p:blipFill>
           <a:blip r:embed="rId2"/>
@@ -9232,15 +9290,127 @@
         </p:blipFill>
         <p:spPr>
           <a:xfrm>
-            <a:off x="1478261" y="2028825"/>
-            <a:ext cx="7465147" cy="3399379"/>
+            <a:off x="1143000" y="1889112"/>
+            <a:ext cx="7686675" cy="4011834"/>
           </a:xfrm>
+          <a:prstGeom prst="rect">
+            <a:avLst/>
+          </a:prstGeom>
         </p:spPr>
       </p:pic>
+      <p:sp>
+        <p:nvSpPr>
+          <p:cNvPr id="4" name="TextBox 3">
+            <a:extLst>
+              <a:ext uri="{FF2B5EF4-FFF2-40B4-BE49-F238E27FC236}">
+                <a16:creationId xmlns:a16="http://schemas.microsoft.com/office/drawing/2014/main" id="{C7704227-8B9E-4AD7-ABC7-5B0E2FF64AEF}"/>
+              </a:ext>
+            </a:extLst>
+          </p:cNvPr>
+          <p:cNvSpPr txBox="1"/>
+          <p:nvPr/>
+        </p:nvSpPr>
+        <p:spPr>
+          <a:xfrm>
+            <a:off x="1438275" y="457200"/>
+            <a:ext cx="6334125" cy="369332"/>
+          </a:xfrm>
+          <a:prstGeom prst="rect">
+            <a:avLst/>
+          </a:prstGeom>
+        </p:spPr>
+        <p:txBody>
+          <a:bodyPr vert="horz" lIns="91440" tIns="45720" rIns="91440" bIns="45720" rtlCol="0" anchor="t">
+            <a:normAutofit/>
+          </a:bodyPr>
+          <a:lstStyle>
+            <a:lvl1pPr>
+              <a:spcBef>
+                <a:spcPct val="0"/>
+              </a:spcBef>
+              <a:buNone/>
+              <a:defRPr sz="3600">
+                <a:solidFill>
+                  <a:schemeClr val="tx1">
+                    <a:lumMod val="85000"/>
+                    <a:lumOff val="15000"/>
+                  </a:schemeClr>
+                </a:solidFill>
+                <a:latin typeface="+mj-lt"/>
+                <a:ea typeface="+mj-ea"/>
+                <a:cs typeface="+mj-cs"/>
+              </a:defRPr>
+            </a:lvl1pPr>
+            <a:lvl2pPr>
+              <a:defRPr>
+                <a:solidFill>
+                  <a:schemeClr val="tx2"/>
+                </a:solidFill>
+              </a:defRPr>
+            </a:lvl2pPr>
+            <a:lvl3pPr>
+              <a:defRPr>
+                <a:solidFill>
+                  <a:schemeClr val="tx2"/>
+                </a:solidFill>
+              </a:defRPr>
+            </a:lvl3pPr>
+            <a:lvl4pPr>
+              <a:defRPr>
+                <a:solidFill>
+                  <a:schemeClr val="tx2"/>
+                </a:solidFill>
+              </a:defRPr>
+            </a:lvl4pPr>
+            <a:lvl5pPr>
+              <a:defRPr>
+                <a:solidFill>
+                  <a:schemeClr val="tx2"/>
+                </a:solidFill>
+              </a:defRPr>
+            </a:lvl5pPr>
+            <a:lvl6pPr>
+              <a:defRPr>
+                <a:solidFill>
+                  <a:schemeClr val="tx2"/>
+                </a:solidFill>
+              </a:defRPr>
+            </a:lvl6pPr>
+            <a:lvl7pPr>
+              <a:defRPr>
+                <a:solidFill>
+                  <a:schemeClr val="tx2"/>
+                </a:solidFill>
+              </a:defRPr>
+            </a:lvl7pPr>
+            <a:lvl8pPr>
+              <a:defRPr>
+                <a:solidFill>
+                  <a:schemeClr val="tx2"/>
+                </a:solidFill>
+              </a:defRPr>
+            </a:lvl8pPr>
+            <a:lvl9pPr>
+              <a:defRPr>
+                <a:solidFill>
+                  <a:schemeClr val="tx2"/>
+                </a:solidFill>
+              </a:defRPr>
+            </a:lvl9pPr>
+          </a:lstStyle>
+          <a:p>
+            <a:r>
+              <a:rPr lang="en-GB" dirty="0"/>
+              <a:t>Test Case Report</a:t>
+            </a:r>
+            <a:endParaRPr lang="en-US" dirty="0"/>
+          </a:p>
+        </p:txBody>
+      </p:sp>
     </p:spTree>
     <p:extLst>
       <p:ext uri="{BB962C8B-B14F-4D97-AF65-F5344CB8AC3E}">
-        <p14:creationId xmlns:p14="http://schemas.microsoft.com/office/powerpoint/2010/main" val="996396050"/>
+        <p14:creationId xmlns:p14="http://schemas.microsoft.com/office/powerpoint/2010/main" val="3803308002"/>
       </p:ext>
     </p:extLst>
   </p:cSld>
@@ -9272,7 +9442,7 @@
           <p:cNvPr id="2" name="Title 1">
             <a:extLst>
               <a:ext uri="{FF2B5EF4-FFF2-40B4-BE49-F238E27FC236}">
-                <a16:creationId xmlns:a16="http://schemas.microsoft.com/office/drawing/2014/main" id="{2CC7C735-7627-403F-A8E0-0AEE252D6E6C}"/>
+                <a16:creationId xmlns:a16="http://schemas.microsoft.com/office/drawing/2014/main" id="{ED7D8486-71A3-4609-8917-39EAE75CE917}"/>
               </a:ext>
             </a:extLst>
           </p:cNvPr>
@@ -9290,7 +9460,7 @@
           <a:p>
             <a:r>
               <a:rPr lang="en-GB" dirty="0"/>
-              <a:t>Jenkins snapshot</a:t>
+              <a:t>Git repository snapshot</a:t>
             </a:r>
             <a:endParaRPr lang="en-US" dirty="0"/>
           </a:p>
@@ -9301,7 +9471,7 @@
           <p:cNvPr id="5" name="Content Placeholder 4">
             <a:extLst>
               <a:ext uri="{FF2B5EF4-FFF2-40B4-BE49-F238E27FC236}">
-                <a16:creationId xmlns:a16="http://schemas.microsoft.com/office/drawing/2014/main" id="{EDABFCC5-9339-4004-8A25-59EED4F8FF98}"/>
+                <a16:creationId xmlns:a16="http://schemas.microsoft.com/office/drawing/2014/main" id="{00E07968-7053-4A68-BCBC-9E38E2991416}"/>
               </a:ext>
             </a:extLst>
           </p:cNvPr>
@@ -9320,15 +9490,15 @@
         </p:blipFill>
         <p:spPr>
           <a:xfrm>
-            <a:off x="2028825" y="2398990"/>
-            <a:ext cx="6762827" cy="3077885"/>
+            <a:off x="1478261" y="2028825"/>
+            <a:ext cx="7465147" cy="3399379"/>
           </a:xfrm>
         </p:spPr>
       </p:pic>
     </p:spTree>
     <p:extLst>
       <p:ext uri="{BB962C8B-B14F-4D97-AF65-F5344CB8AC3E}">
-        <p14:creationId xmlns:p14="http://schemas.microsoft.com/office/powerpoint/2010/main" val="3899232632"/>
+        <p14:creationId xmlns:p14="http://schemas.microsoft.com/office/powerpoint/2010/main" val="996396050"/>
       </p:ext>
     </p:extLst>
   </p:cSld>
